--- a/assignments info/4/Why Not Recommendation Explanation.pptx
+++ b/assignments info/4/Why Not Recommendation Explanation.pptx
@@ -129,6 +129,14 @@
 <p:cmAuthorLst xmlns:a="http://schemas.openxmlformats.org/drawingml/2006/main" xmlns:r="http://schemas.openxmlformats.org/officeDocument/2006/relationships" xmlns:p="http://schemas.openxmlformats.org/presentationml/2006/main">
   <p:cmAuthor id="3" name="Author" initials="A" lastIdx="0" clrIdx="2"/>
 </p:cmAuthorLst>
+</file>
+
+<file path=ppt/revisionInfo.xml><?xml version="1.0" encoding="utf-8"?>
+<p1510:revInfo xmlns:a="http://schemas.openxmlformats.org/drawingml/2006/main" xmlns:r="http://schemas.openxmlformats.org/officeDocument/2006/relationships" xmlns:p1510="http://schemas.microsoft.com/office/powerpoint/2015/10/main">
+  <p1510:revLst>
+    <p1510:client id="{D6904B1C-D0AD-4C48-8164-8A5A090B4023}" v="13" dt="2023-12-02T15:14:54.472"/>
+  </p1510:revLst>
+</p1510:revInfo>
 </file>
 
 <file path=ppt/notesMasters/notesMaster1.xml><?xml version="1.0" encoding="utf-8"?>
@@ -12901,6 +12909,41 @@
           </a:p>
         </p:txBody>
       </p:sp>
+      <p:sp>
+        <p:nvSpPr>
+          <p:cNvPr id="3" name="Content Placeholder 2">
+            <a:extLst>
+              <a:ext uri="{FF2B5EF4-FFF2-40B4-BE49-F238E27FC236}">
+                <a16:creationId xmlns:a16="http://schemas.microsoft.com/office/drawing/2014/main" id="{88C116AA-430C-7E96-A289-B63EE57DB509}"/>
+              </a:ext>
+            </a:extLst>
+          </p:cNvPr>
+          <p:cNvSpPr>
+            <a:spLocks noGrp="1"/>
+          </p:cNvSpPr>
+          <p:nvPr>
+            <p:ph type="subTitle" idx="1"/>
+          </p:nvPr>
+        </p:nvSpPr>
+        <p:spPr>
+          <a:xfrm>
+            <a:off x="1167493" y="3602039"/>
+            <a:ext cx="6220277" cy="944562"/>
+          </a:xfrm>
+        </p:spPr>
+        <p:txBody>
+          <a:bodyPr>
+            <a:normAutofit/>
+          </a:bodyPr>
+          <a:lstStyle/>
+          <a:p>
+            <a:r>
+              <a:rPr lang="en-US" dirty="0"/>
+              <a:t>By Yousif Al-Baghdadi</a:t>
+            </a:r>
+          </a:p>
+        </p:txBody>
+      </p:sp>
     </p:spTree>
     <p:extLst>
       <p:ext uri="{BB962C8B-B14F-4D97-AF65-F5344CB8AC3E}">
@@ -12911,6 +12954,18 @@
   <p:clrMapOvr>
     <a:masterClrMapping/>
   </p:clrMapOvr>
+  <mc:AlternateContent xmlns:mc="http://schemas.openxmlformats.org/markup-compatibility/2006">
+    <mc:Choice xmlns:p14="http://schemas.microsoft.com/office/powerpoint/2010/main" Requires="p14">
+      <p:transition spd="med" p14:dur="700">
+        <p:fade/>
+      </p:transition>
+    </mc:Choice>
+    <mc:Fallback>
+      <p:transition spd="med">
+        <p:fade/>
+      </p:transition>
+    </mc:Fallback>
+  </mc:AlternateContent>
 </p:sld>
 </file>
 
@@ -13103,6 +13158,409 @@
   <p:clrMapOvr>
     <a:masterClrMapping/>
   </p:clrMapOvr>
+  <mc:AlternateContent xmlns:mc="http://schemas.openxmlformats.org/markup-compatibility/2006">
+    <mc:Choice xmlns:p14="http://schemas.microsoft.com/office/powerpoint/2010/main" Requires="p14">
+      <p:transition spd="med" p14:dur="700">
+        <p:fade/>
+      </p:transition>
+    </mc:Choice>
+    <mc:Fallback>
+      <p:transition spd="med">
+        <p:fade/>
+      </p:transition>
+    </mc:Fallback>
+  </mc:AlternateContent>
+  <p:timing>
+    <p:tnLst>
+      <p:par>
+        <p:cTn id="1" dur="indefinite" restart="never" nodeType="tmRoot">
+          <p:childTnLst>
+            <p:seq concurrent="1" nextAc="seek">
+              <p:cTn id="2" dur="indefinite" nodeType="mainSeq">
+                <p:childTnLst>
+                  <p:par>
+                    <p:cTn id="3" fill="hold">
+                      <p:stCondLst>
+                        <p:cond delay="indefinite"/>
+                        <p:cond evt="onBegin" delay="0">
+                          <p:tn val="2"/>
+                        </p:cond>
+                      </p:stCondLst>
+                      <p:childTnLst>
+                        <p:par>
+                          <p:cTn id="4" fill="hold">
+                            <p:stCondLst>
+                              <p:cond delay="0"/>
+                            </p:stCondLst>
+                            <p:childTnLst>
+                              <p:par>
+                                <p:cTn id="5" presetID="10" presetClass="entr" presetSubtype="0" fill="hold" grpId="0" nodeType="withEffect">
+                                  <p:stCondLst>
+                                    <p:cond delay="0"/>
+                                  </p:stCondLst>
+                                  <p:childTnLst>
+                                    <p:set>
+                                      <p:cBhvr>
+                                        <p:cTn id="6" dur="1" fill="hold">
+                                          <p:stCondLst>
+                                            <p:cond delay="0"/>
+                                          </p:stCondLst>
+                                        </p:cTn>
+                                        <p:tgtEl>
+                                          <p:spTgt spid="3">
+                                            <p:txEl>
+                                              <p:pRg st="0" end="0"/>
+                                            </p:txEl>
+                                          </p:spTgt>
+                                        </p:tgtEl>
+                                        <p:attrNameLst>
+                                          <p:attrName>style.visibility</p:attrName>
+                                        </p:attrNameLst>
+                                      </p:cBhvr>
+                                      <p:to>
+                                        <p:strVal val="visible"/>
+                                      </p:to>
+                                    </p:set>
+                                    <p:animEffect transition="in" filter="fade">
+                                      <p:cBhvr>
+                                        <p:cTn id="7" dur="500"/>
+                                        <p:tgtEl>
+                                          <p:spTgt spid="3">
+                                            <p:txEl>
+                                              <p:pRg st="0" end="0"/>
+                                            </p:txEl>
+                                          </p:spTgt>
+                                        </p:tgtEl>
+                                      </p:cBhvr>
+                                    </p:animEffect>
+                                  </p:childTnLst>
+                                </p:cTn>
+                              </p:par>
+                              <p:par>
+                                <p:cTn id="8" presetID="10" presetClass="entr" presetSubtype="0" fill="hold" grpId="0" nodeType="withEffect">
+                                  <p:stCondLst>
+                                    <p:cond delay="0"/>
+                                  </p:stCondLst>
+                                  <p:childTnLst>
+                                    <p:set>
+                                      <p:cBhvr>
+                                        <p:cTn id="9" dur="1" fill="hold">
+                                          <p:stCondLst>
+                                            <p:cond delay="0"/>
+                                          </p:stCondLst>
+                                        </p:cTn>
+                                        <p:tgtEl>
+                                          <p:spTgt spid="3">
+                                            <p:txEl>
+                                              <p:pRg st="1" end="1"/>
+                                            </p:txEl>
+                                          </p:spTgt>
+                                        </p:tgtEl>
+                                        <p:attrNameLst>
+                                          <p:attrName>style.visibility</p:attrName>
+                                        </p:attrNameLst>
+                                      </p:cBhvr>
+                                      <p:to>
+                                        <p:strVal val="visible"/>
+                                      </p:to>
+                                    </p:set>
+                                    <p:animEffect transition="in" filter="fade">
+                                      <p:cBhvr>
+                                        <p:cTn id="10" dur="500"/>
+                                        <p:tgtEl>
+                                          <p:spTgt spid="3">
+                                            <p:txEl>
+                                              <p:pRg st="1" end="1"/>
+                                            </p:txEl>
+                                          </p:spTgt>
+                                        </p:tgtEl>
+                                      </p:cBhvr>
+                                    </p:animEffect>
+                                  </p:childTnLst>
+                                </p:cTn>
+                              </p:par>
+                            </p:childTnLst>
+                          </p:cTn>
+                        </p:par>
+                      </p:childTnLst>
+                    </p:cTn>
+                  </p:par>
+                  <p:par>
+                    <p:cTn id="11" fill="hold">
+                      <p:stCondLst>
+                        <p:cond delay="indefinite"/>
+                      </p:stCondLst>
+                      <p:childTnLst>
+                        <p:par>
+                          <p:cTn id="12" fill="hold">
+                            <p:stCondLst>
+                              <p:cond delay="0"/>
+                            </p:stCondLst>
+                            <p:childTnLst>
+                              <p:par>
+                                <p:cTn id="13" presetID="10" presetClass="entr" presetSubtype="0" fill="hold" grpId="0" nodeType="clickEffect">
+                                  <p:stCondLst>
+                                    <p:cond delay="0"/>
+                                  </p:stCondLst>
+                                  <p:childTnLst>
+                                    <p:set>
+                                      <p:cBhvr>
+                                        <p:cTn id="14" dur="1" fill="hold">
+                                          <p:stCondLst>
+                                            <p:cond delay="0"/>
+                                          </p:stCondLst>
+                                        </p:cTn>
+                                        <p:tgtEl>
+                                          <p:spTgt spid="3">
+                                            <p:txEl>
+                                              <p:pRg st="2" end="2"/>
+                                            </p:txEl>
+                                          </p:spTgt>
+                                        </p:tgtEl>
+                                        <p:attrNameLst>
+                                          <p:attrName>style.visibility</p:attrName>
+                                        </p:attrNameLst>
+                                      </p:cBhvr>
+                                      <p:to>
+                                        <p:strVal val="visible"/>
+                                      </p:to>
+                                    </p:set>
+                                    <p:animEffect transition="in" filter="fade">
+                                      <p:cBhvr>
+                                        <p:cTn id="15" dur="500"/>
+                                        <p:tgtEl>
+                                          <p:spTgt spid="3">
+                                            <p:txEl>
+                                              <p:pRg st="2" end="2"/>
+                                            </p:txEl>
+                                          </p:spTgt>
+                                        </p:tgtEl>
+                                      </p:cBhvr>
+                                    </p:animEffect>
+                                  </p:childTnLst>
+                                </p:cTn>
+                              </p:par>
+                              <p:par>
+                                <p:cTn id="16" presetID="10" presetClass="entr" presetSubtype="0" fill="hold" grpId="0" nodeType="withEffect">
+                                  <p:stCondLst>
+                                    <p:cond delay="0"/>
+                                  </p:stCondLst>
+                                  <p:childTnLst>
+                                    <p:set>
+                                      <p:cBhvr>
+                                        <p:cTn id="17" dur="1" fill="hold">
+                                          <p:stCondLst>
+                                            <p:cond delay="0"/>
+                                          </p:stCondLst>
+                                        </p:cTn>
+                                        <p:tgtEl>
+                                          <p:spTgt spid="3">
+                                            <p:txEl>
+                                              <p:pRg st="3" end="3"/>
+                                            </p:txEl>
+                                          </p:spTgt>
+                                        </p:tgtEl>
+                                        <p:attrNameLst>
+                                          <p:attrName>style.visibility</p:attrName>
+                                        </p:attrNameLst>
+                                      </p:cBhvr>
+                                      <p:to>
+                                        <p:strVal val="visible"/>
+                                      </p:to>
+                                    </p:set>
+                                    <p:animEffect transition="in" filter="fade">
+                                      <p:cBhvr>
+                                        <p:cTn id="18" dur="500"/>
+                                        <p:tgtEl>
+                                          <p:spTgt spid="3">
+                                            <p:txEl>
+                                              <p:pRg st="3" end="3"/>
+                                            </p:txEl>
+                                          </p:spTgt>
+                                        </p:tgtEl>
+                                      </p:cBhvr>
+                                    </p:animEffect>
+                                  </p:childTnLst>
+                                </p:cTn>
+                              </p:par>
+                              <p:par>
+                                <p:cTn id="19" presetID="10" presetClass="entr" presetSubtype="0" fill="hold" grpId="0" nodeType="withEffect">
+                                  <p:stCondLst>
+                                    <p:cond delay="0"/>
+                                  </p:stCondLst>
+                                  <p:childTnLst>
+                                    <p:set>
+                                      <p:cBhvr>
+                                        <p:cTn id="20" dur="1" fill="hold">
+                                          <p:stCondLst>
+                                            <p:cond delay="0"/>
+                                          </p:stCondLst>
+                                        </p:cTn>
+                                        <p:tgtEl>
+                                          <p:spTgt spid="3">
+                                            <p:txEl>
+                                              <p:pRg st="4" end="4"/>
+                                            </p:txEl>
+                                          </p:spTgt>
+                                        </p:tgtEl>
+                                        <p:attrNameLst>
+                                          <p:attrName>style.visibility</p:attrName>
+                                        </p:attrNameLst>
+                                      </p:cBhvr>
+                                      <p:to>
+                                        <p:strVal val="visible"/>
+                                      </p:to>
+                                    </p:set>
+                                    <p:animEffect transition="in" filter="fade">
+                                      <p:cBhvr>
+                                        <p:cTn id="21" dur="500"/>
+                                        <p:tgtEl>
+                                          <p:spTgt spid="3">
+                                            <p:txEl>
+                                              <p:pRg st="4" end="4"/>
+                                            </p:txEl>
+                                          </p:spTgt>
+                                        </p:tgtEl>
+                                      </p:cBhvr>
+                                    </p:animEffect>
+                                  </p:childTnLst>
+                                </p:cTn>
+                              </p:par>
+                            </p:childTnLst>
+                          </p:cTn>
+                        </p:par>
+                      </p:childTnLst>
+                    </p:cTn>
+                  </p:par>
+                  <p:par>
+                    <p:cTn id="22" fill="hold">
+                      <p:stCondLst>
+                        <p:cond delay="indefinite"/>
+                      </p:stCondLst>
+                      <p:childTnLst>
+                        <p:par>
+                          <p:cTn id="23" fill="hold">
+                            <p:stCondLst>
+                              <p:cond delay="0"/>
+                            </p:stCondLst>
+                            <p:childTnLst>
+                              <p:par>
+                                <p:cTn id="24" presetID="10" presetClass="entr" presetSubtype="0" fill="hold" grpId="0" nodeType="clickEffect">
+                                  <p:stCondLst>
+                                    <p:cond delay="0"/>
+                                  </p:stCondLst>
+                                  <p:childTnLst>
+                                    <p:set>
+                                      <p:cBhvr>
+                                        <p:cTn id="25" dur="1" fill="hold">
+                                          <p:stCondLst>
+                                            <p:cond delay="0"/>
+                                          </p:stCondLst>
+                                        </p:cTn>
+                                        <p:tgtEl>
+                                          <p:spTgt spid="3">
+                                            <p:txEl>
+                                              <p:pRg st="5" end="5"/>
+                                            </p:txEl>
+                                          </p:spTgt>
+                                        </p:tgtEl>
+                                        <p:attrNameLst>
+                                          <p:attrName>style.visibility</p:attrName>
+                                        </p:attrNameLst>
+                                      </p:cBhvr>
+                                      <p:to>
+                                        <p:strVal val="visible"/>
+                                      </p:to>
+                                    </p:set>
+                                    <p:animEffect transition="in" filter="fade">
+                                      <p:cBhvr>
+                                        <p:cTn id="26" dur="500"/>
+                                        <p:tgtEl>
+                                          <p:spTgt spid="3">
+                                            <p:txEl>
+                                              <p:pRg st="5" end="5"/>
+                                            </p:txEl>
+                                          </p:spTgt>
+                                        </p:tgtEl>
+                                      </p:cBhvr>
+                                    </p:animEffect>
+                                  </p:childTnLst>
+                                </p:cTn>
+                              </p:par>
+                              <p:par>
+                                <p:cTn id="27" presetID="10" presetClass="entr" presetSubtype="0" fill="hold" grpId="0" nodeType="withEffect">
+                                  <p:stCondLst>
+                                    <p:cond delay="0"/>
+                                  </p:stCondLst>
+                                  <p:childTnLst>
+                                    <p:set>
+                                      <p:cBhvr>
+                                        <p:cTn id="28" dur="1" fill="hold">
+                                          <p:stCondLst>
+                                            <p:cond delay="0"/>
+                                          </p:stCondLst>
+                                        </p:cTn>
+                                        <p:tgtEl>
+                                          <p:spTgt spid="3">
+                                            <p:txEl>
+                                              <p:pRg st="6" end="6"/>
+                                            </p:txEl>
+                                          </p:spTgt>
+                                        </p:tgtEl>
+                                        <p:attrNameLst>
+                                          <p:attrName>style.visibility</p:attrName>
+                                        </p:attrNameLst>
+                                      </p:cBhvr>
+                                      <p:to>
+                                        <p:strVal val="visible"/>
+                                      </p:to>
+                                    </p:set>
+                                    <p:animEffect transition="in" filter="fade">
+                                      <p:cBhvr>
+                                        <p:cTn id="29" dur="500"/>
+                                        <p:tgtEl>
+                                          <p:spTgt spid="3">
+                                            <p:txEl>
+                                              <p:pRg st="6" end="6"/>
+                                            </p:txEl>
+                                          </p:spTgt>
+                                        </p:tgtEl>
+                                      </p:cBhvr>
+                                    </p:animEffect>
+                                  </p:childTnLst>
+                                </p:cTn>
+                              </p:par>
+                            </p:childTnLst>
+                          </p:cTn>
+                        </p:par>
+                      </p:childTnLst>
+                    </p:cTn>
+                  </p:par>
+                </p:childTnLst>
+              </p:cTn>
+              <p:prevCondLst>
+                <p:cond evt="onPrev" delay="0">
+                  <p:tgtEl>
+                    <p:sldTgt/>
+                  </p:tgtEl>
+                </p:cond>
+              </p:prevCondLst>
+              <p:nextCondLst>
+                <p:cond evt="onNext" delay="0">
+                  <p:tgtEl>
+                    <p:sldTgt/>
+                  </p:tgtEl>
+                </p:cond>
+              </p:nextCondLst>
+            </p:seq>
+          </p:childTnLst>
+        </p:cTn>
+      </p:par>
+    </p:tnLst>
+    <p:bldLst>
+      <p:bldP spid="3" grpId="0" uiExpand="1" build="p"/>
+    </p:bldLst>
+  </p:timing>
 </p:sld>
 </file>
 
@@ -13151,7 +13609,7 @@
           <a:p>
             <a:r>
               <a:rPr lang="en-US" dirty="0"/>
-              <a:t>My method</a:t>
+              <a:t>My Method</a:t>
             </a:r>
           </a:p>
         </p:txBody>
@@ -13245,39 +13703,6 @@
           </a:p>
           <a:p>
             <a:endParaRPr lang="en-US" dirty="0"/>
-          </a:p>
-        </p:txBody>
-      </p:sp>
-      <p:sp>
-        <p:nvSpPr>
-          <p:cNvPr id="5" name="Footer Placeholder 4">
-            <a:extLst>
-              <a:ext uri="{FF2B5EF4-FFF2-40B4-BE49-F238E27FC236}">
-                <a16:creationId xmlns:a16="http://schemas.microsoft.com/office/drawing/2014/main" id="{6209FEB4-4C5C-EB43-9696-7B42453DB79B}"/>
-              </a:ext>
-            </a:extLst>
-          </p:cNvPr>
-          <p:cNvSpPr>
-            <a:spLocks noGrp="1"/>
-          </p:cNvSpPr>
-          <p:nvPr>
-            <p:ph type="ftr" sz="quarter" idx="3"/>
-          </p:nvPr>
-        </p:nvSpPr>
-        <p:spPr>
-          <a:xfrm>
-            <a:off x="4038600" y="6356350"/>
-            <a:ext cx="4114800" cy="365125"/>
-          </a:xfrm>
-        </p:spPr>
-        <p:txBody>
-          <a:bodyPr/>
-          <a:lstStyle/>
-          <a:p>
-            <a:r>
-              <a:rPr lang="en-US" dirty="0"/>
-              <a:t>PRESENTATION TITLE</a:t>
-            </a:r>
           </a:p>
         </p:txBody>
       </p:sp>
@@ -13326,6 +13751,366 @@
   <p:clrMapOvr>
     <a:masterClrMapping/>
   </p:clrMapOvr>
+  <mc:AlternateContent xmlns:mc="http://schemas.openxmlformats.org/markup-compatibility/2006">
+    <mc:Choice xmlns:p14="http://schemas.microsoft.com/office/powerpoint/2010/main" Requires="p14">
+      <p:transition spd="med" p14:dur="700">
+        <p:fade/>
+      </p:transition>
+    </mc:Choice>
+    <mc:Fallback>
+      <p:transition spd="med">
+        <p:fade/>
+      </p:transition>
+    </mc:Fallback>
+  </mc:AlternateContent>
+  <p:timing>
+    <p:tnLst>
+      <p:par>
+        <p:cTn id="1" dur="indefinite" restart="never" nodeType="tmRoot">
+          <p:childTnLst>
+            <p:seq concurrent="1" nextAc="seek">
+              <p:cTn id="2" dur="indefinite" nodeType="mainSeq">
+                <p:childTnLst>
+                  <p:par>
+                    <p:cTn id="3" fill="hold">
+                      <p:stCondLst>
+                        <p:cond delay="indefinite"/>
+                        <p:cond evt="onBegin" delay="0">
+                          <p:tn val="2"/>
+                        </p:cond>
+                      </p:stCondLst>
+                      <p:childTnLst>
+                        <p:par>
+                          <p:cTn id="4" fill="hold">
+                            <p:stCondLst>
+                              <p:cond delay="0"/>
+                            </p:stCondLst>
+                            <p:childTnLst>
+                              <p:par>
+                                <p:cTn id="5" presetID="10" presetClass="entr" presetSubtype="0" fill="hold" grpId="0" nodeType="withEffect">
+                                  <p:stCondLst>
+                                    <p:cond delay="0"/>
+                                  </p:stCondLst>
+                                  <p:childTnLst>
+                                    <p:set>
+                                      <p:cBhvr>
+                                        <p:cTn id="6" dur="1" fill="hold">
+                                          <p:stCondLst>
+                                            <p:cond delay="0"/>
+                                          </p:stCondLst>
+                                        </p:cTn>
+                                        <p:tgtEl>
+                                          <p:spTgt spid="3">
+                                            <p:txEl>
+                                              <p:pRg st="0" end="0"/>
+                                            </p:txEl>
+                                          </p:spTgt>
+                                        </p:tgtEl>
+                                        <p:attrNameLst>
+                                          <p:attrName>style.visibility</p:attrName>
+                                        </p:attrNameLst>
+                                      </p:cBhvr>
+                                      <p:to>
+                                        <p:strVal val="visible"/>
+                                      </p:to>
+                                    </p:set>
+                                    <p:animEffect transition="in" filter="fade">
+                                      <p:cBhvr>
+                                        <p:cTn id="7" dur="500"/>
+                                        <p:tgtEl>
+                                          <p:spTgt spid="3">
+                                            <p:txEl>
+                                              <p:pRg st="0" end="0"/>
+                                            </p:txEl>
+                                          </p:spTgt>
+                                        </p:tgtEl>
+                                      </p:cBhvr>
+                                    </p:animEffect>
+                                  </p:childTnLst>
+                                </p:cTn>
+                              </p:par>
+                              <p:par>
+                                <p:cTn id="8" presetID="10" presetClass="entr" presetSubtype="0" fill="hold" grpId="0" nodeType="withEffect">
+                                  <p:stCondLst>
+                                    <p:cond delay="0"/>
+                                  </p:stCondLst>
+                                  <p:childTnLst>
+                                    <p:set>
+                                      <p:cBhvr>
+                                        <p:cTn id="9" dur="1" fill="hold">
+                                          <p:stCondLst>
+                                            <p:cond delay="0"/>
+                                          </p:stCondLst>
+                                        </p:cTn>
+                                        <p:tgtEl>
+                                          <p:spTgt spid="3">
+                                            <p:txEl>
+                                              <p:pRg st="1" end="1"/>
+                                            </p:txEl>
+                                          </p:spTgt>
+                                        </p:tgtEl>
+                                        <p:attrNameLst>
+                                          <p:attrName>style.visibility</p:attrName>
+                                        </p:attrNameLst>
+                                      </p:cBhvr>
+                                      <p:to>
+                                        <p:strVal val="visible"/>
+                                      </p:to>
+                                    </p:set>
+                                    <p:animEffect transition="in" filter="fade">
+                                      <p:cBhvr>
+                                        <p:cTn id="10" dur="500"/>
+                                        <p:tgtEl>
+                                          <p:spTgt spid="3">
+                                            <p:txEl>
+                                              <p:pRg st="1" end="1"/>
+                                            </p:txEl>
+                                          </p:spTgt>
+                                        </p:tgtEl>
+                                      </p:cBhvr>
+                                    </p:animEffect>
+                                  </p:childTnLst>
+                                </p:cTn>
+                              </p:par>
+                            </p:childTnLst>
+                          </p:cTn>
+                        </p:par>
+                      </p:childTnLst>
+                    </p:cTn>
+                  </p:par>
+                  <p:par>
+                    <p:cTn id="11" fill="hold">
+                      <p:stCondLst>
+                        <p:cond delay="indefinite"/>
+                      </p:stCondLst>
+                      <p:childTnLst>
+                        <p:par>
+                          <p:cTn id="12" fill="hold">
+                            <p:stCondLst>
+                              <p:cond delay="0"/>
+                            </p:stCondLst>
+                            <p:childTnLst>
+                              <p:par>
+                                <p:cTn id="13" presetID="10" presetClass="entr" presetSubtype="0" fill="hold" grpId="0" nodeType="clickEffect">
+                                  <p:stCondLst>
+                                    <p:cond delay="0"/>
+                                  </p:stCondLst>
+                                  <p:childTnLst>
+                                    <p:set>
+                                      <p:cBhvr>
+                                        <p:cTn id="14" dur="1" fill="hold">
+                                          <p:stCondLst>
+                                            <p:cond delay="0"/>
+                                          </p:stCondLst>
+                                        </p:cTn>
+                                        <p:tgtEl>
+                                          <p:spTgt spid="3">
+                                            <p:txEl>
+                                              <p:pRg st="2" end="2"/>
+                                            </p:txEl>
+                                          </p:spTgt>
+                                        </p:tgtEl>
+                                        <p:attrNameLst>
+                                          <p:attrName>style.visibility</p:attrName>
+                                        </p:attrNameLst>
+                                      </p:cBhvr>
+                                      <p:to>
+                                        <p:strVal val="visible"/>
+                                      </p:to>
+                                    </p:set>
+                                    <p:animEffect transition="in" filter="fade">
+                                      <p:cBhvr>
+                                        <p:cTn id="15" dur="500"/>
+                                        <p:tgtEl>
+                                          <p:spTgt spid="3">
+                                            <p:txEl>
+                                              <p:pRg st="2" end="2"/>
+                                            </p:txEl>
+                                          </p:spTgt>
+                                        </p:tgtEl>
+                                      </p:cBhvr>
+                                    </p:animEffect>
+                                  </p:childTnLst>
+                                </p:cTn>
+                              </p:par>
+                              <p:par>
+                                <p:cTn id="16" presetID="10" presetClass="entr" presetSubtype="0" fill="hold" grpId="0" nodeType="withEffect">
+                                  <p:stCondLst>
+                                    <p:cond delay="0"/>
+                                  </p:stCondLst>
+                                  <p:childTnLst>
+                                    <p:set>
+                                      <p:cBhvr>
+                                        <p:cTn id="17" dur="1" fill="hold">
+                                          <p:stCondLst>
+                                            <p:cond delay="0"/>
+                                          </p:stCondLst>
+                                        </p:cTn>
+                                        <p:tgtEl>
+                                          <p:spTgt spid="3">
+                                            <p:txEl>
+                                              <p:pRg st="3" end="3"/>
+                                            </p:txEl>
+                                          </p:spTgt>
+                                        </p:tgtEl>
+                                        <p:attrNameLst>
+                                          <p:attrName>style.visibility</p:attrName>
+                                        </p:attrNameLst>
+                                      </p:cBhvr>
+                                      <p:to>
+                                        <p:strVal val="visible"/>
+                                      </p:to>
+                                    </p:set>
+                                    <p:animEffect transition="in" filter="fade">
+                                      <p:cBhvr>
+                                        <p:cTn id="18" dur="500"/>
+                                        <p:tgtEl>
+                                          <p:spTgt spid="3">
+                                            <p:txEl>
+                                              <p:pRg st="3" end="3"/>
+                                            </p:txEl>
+                                          </p:spTgt>
+                                        </p:tgtEl>
+                                      </p:cBhvr>
+                                    </p:animEffect>
+                                  </p:childTnLst>
+                                </p:cTn>
+                              </p:par>
+                              <p:par>
+                                <p:cTn id="19" presetID="10" presetClass="entr" presetSubtype="0" fill="hold" grpId="0" nodeType="withEffect">
+                                  <p:stCondLst>
+                                    <p:cond delay="0"/>
+                                  </p:stCondLst>
+                                  <p:childTnLst>
+                                    <p:set>
+                                      <p:cBhvr>
+                                        <p:cTn id="20" dur="1" fill="hold">
+                                          <p:stCondLst>
+                                            <p:cond delay="0"/>
+                                          </p:stCondLst>
+                                        </p:cTn>
+                                        <p:tgtEl>
+                                          <p:spTgt spid="3">
+                                            <p:txEl>
+                                              <p:pRg st="4" end="4"/>
+                                            </p:txEl>
+                                          </p:spTgt>
+                                        </p:tgtEl>
+                                        <p:attrNameLst>
+                                          <p:attrName>style.visibility</p:attrName>
+                                        </p:attrNameLst>
+                                      </p:cBhvr>
+                                      <p:to>
+                                        <p:strVal val="visible"/>
+                                      </p:to>
+                                    </p:set>
+                                    <p:animEffect transition="in" filter="fade">
+                                      <p:cBhvr>
+                                        <p:cTn id="21" dur="500"/>
+                                        <p:tgtEl>
+                                          <p:spTgt spid="3">
+                                            <p:txEl>
+                                              <p:pRg st="4" end="4"/>
+                                            </p:txEl>
+                                          </p:spTgt>
+                                        </p:tgtEl>
+                                      </p:cBhvr>
+                                    </p:animEffect>
+                                  </p:childTnLst>
+                                </p:cTn>
+                              </p:par>
+                            </p:childTnLst>
+                          </p:cTn>
+                        </p:par>
+                      </p:childTnLst>
+                    </p:cTn>
+                  </p:par>
+                  <p:par>
+                    <p:cTn id="22" fill="hold">
+                      <p:stCondLst>
+                        <p:cond delay="indefinite"/>
+                      </p:stCondLst>
+                      <p:childTnLst>
+                        <p:par>
+                          <p:cTn id="23" fill="hold">
+                            <p:stCondLst>
+                              <p:cond delay="0"/>
+                            </p:stCondLst>
+                            <p:childTnLst>
+                              <p:par>
+                                <p:cTn id="24" presetID="10" presetClass="entr" presetSubtype="0" fill="hold" grpId="0" nodeType="clickEffect">
+                                  <p:stCondLst>
+                                    <p:cond delay="0"/>
+                                  </p:stCondLst>
+                                  <p:childTnLst>
+                                    <p:set>
+                                      <p:cBhvr>
+                                        <p:cTn id="25" dur="1" fill="hold">
+                                          <p:stCondLst>
+                                            <p:cond delay="0"/>
+                                          </p:stCondLst>
+                                        </p:cTn>
+                                        <p:tgtEl>
+                                          <p:spTgt spid="3">
+                                            <p:txEl>
+                                              <p:pRg st="5" end="5"/>
+                                            </p:txEl>
+                                          </p:spTgt>
+                                        </p:tgtEl>
+                                        <p:attrNameLst>
+                                          <p:attrName>style.visibility</p:attrName>
+                                        </p:attrNameLst>
+                                      </p:cBhvr>
+                                      <p:to>
+                                        <p:strVal val="visible"/>
+                                      </p:to>
+                                    </p:set>
+                                    <p:animEffect transition="in" filter="fade">
+                                      <p:cBhvr>
+                                        <p:cTn id="26" dur="500"/>
+                                        <p:tgtEl>
+                                          <p:spTgt spid="3">
+                                            <p:txEl>
+                                              <p:pRg st="5" end="5"/>
+                                            </p:txEl>
+                                          </p:spTgt>
+                                        </p:tgtEl>
+                                      </p:cBhvr>
+                                    </p:animEffect>
+                                  </p:childTnLst>
+                                </p:cTn>
+                              </p:par>
+                            </p:childTnLst>
+                          </p:cTn>
+                        </p:par>
+                      </p:childTnLst>
+                    </p:cTn>
+                  </p:par>
+                </p:childTnLst>
+              </p:cTn>
+              <p:prevCondLst>
+                <p:cond evt="onPrev" delay="0">
+                  <p:tgtEl>
+                    <p:sldTgt/>
+                  </p:tgtEl>
+                </p:cond>
+              </p:prevCondLst>
+              <p:nextCondLst>
+                <p:cond evt="onNext" delay="0">
+                  <p:tgtEl>
+                    <p:sldTgt/>
+                  </p:tgtEl>
+                </p:cond>
+              </p:nextCondLst>
+            </p:seq>
+          </p:childTnLst>
+        </p:cTn>
+      </p:par>
+    </p:tnLst>
+    <p:bldLst>
+      <p:bldP spid="3" grpId="0" uiExpand="1" build="p"/>
+    </p:bldLst>
+  </p:timing>
 </p:sld>
 </file>
 
@@ -13440,35 +14225,6 @@
       </p:sp>
       <p:sp>
         <p:nvSpPr>
-          <p:cNvPr id="4" name="Footer Placeholder 3">
-            <a:extLst>
-              <a:ext uri="{FF2B5EF4-FFF2-40B4-BE49-F238E27FC236}">
-                <a16:creationId xmlns:a16="http://schemas.microsoft.com/office/drawing/2014/main" id="{4CC4CAA8-C42E-881A-7DA6-D3A9DC73B412}"/>
-              </a:ext>
-            </a:extLst>
-          </p:cNvPr>
-          <p:cNvSpPr>
-            <a:spLocks noGrp="1"/>
-          </p:cNvSpPr>
-          <p:nvPr>
-            <p:ph type="ftr" sz="quarter" idx="11"/>
-          </p:nvPr>
-        </p:nvSpPr>
-        <p:spPr/>
-        <p:txBody>
-          <a:bodyPr/>
-          <a:lstStyle/>
-          <a:p>
-            <a:r>
-              <a:rPr lang="en-US"/>
-              <a:t>PRESENTATION TITLE</a:t>
-            </a:r>
-            <a:endParaRPr lang="en-US" dirty="0"/>
-          </a:p>
-        </p:txBody>
-      </p:sp>
-      <p:sp>
-        <p:nvSpPr>
           <p:cNvPr id="5" name="Slide Number Placeholder 4">
             <a:extLst>
               <a:ext uri="{FF2B5EF4-FFF2-40B4-BE49-F238E27FC236}">
@@ -13507,6 +14263,298 @@
   <p:clrMapOvr>
     <a:masterClrMapping/>
   </p:clrMapOvr>
+  <mc:AlternateContent xmlns:mc="http://schemas.openxmlformats.org/markup-compatibility/2006">
+    <mc:Choice xmlns:p14="http://schemas.microsoft.com/office/powerpoint/2010/main" Requires="p14">
+      <p:transition spd="med" p14:dur="700">
+        <p:fade/>
+      </p:transition>
+    </mc:Choice>
+    <mc:Fallback>
+      <p:transition spd="med">
+        <p:fade/>
+      </p:transition>
+    </mc:Fallback>
+  </mc:AlternateContent>
+  <p:timing>
+    <p:tnLst>
+      <p:par>
+        <p:cTn id="1" dur="indefinite" restart="never" nodeType="tmRoot">
+          <p:childTnLst>
+            <p:seq concurrent="1" nextAc="seek">
+              <p:cTn id="2" dur="indefinite" nodeType="mainSeq">
+                <p:childTnLst>
+                  <p:par>
+                    <p:cTn id="3" fill="hold">
+                      <p:stCondLst>
+                        <p:cond delay="indefinite"/>
+                        <p:cond evt="onBegin" delay="0">
+                          <p:tn val="2"/>
+                        </p:cond>
+                      </p:stCondLst>
+                      <p:childTnLst>
+                        <p:par>
+                          <p:cTn id="4" fill="hold">
+                            <p:stCondLst>
+                              <p:cond delay="0"/>
+                            </p:stCondLst>
+                            <p:childTnLst>
+                              <p:par>
+                                <p:cTn id="5" presetID="10" presetClass="entr" presetSubtype="0" fill="hold" grpId="0" nodeType="withEffect">
+                                  <p:stCondLst>
+                                    <p:cond delay="0"/>
+                                  </p:stCondLst>
+                                  <p:childTnLst>
+                                    <p:set>
+                                      <p:cBhvr>
+                                        <p:cTn id="6" dur="1" fill="hold">
+                                          <p:stCondLst>
+                                            <p:cond delay="0"/>
+                                          </p:stCondLst>
+                                        </p:cTn>
+                                        <p:tgtEl>
+                                          <p:spTgt spid="3">
+                                            <p:txEl>
+                                              <p:pRg st="0" end="0"/>
+                                            </p:txEl>
+                                          </p:spTgt>
+                                        </p:tgtEl>
+                                        <p:attrNameLst>
+                                          <p:attrName>style.visibility</p:attrName>
+                                        </p:attrNameLst>
+                                      </p:cBhvr>
+                                      <p:to>
+                                        <p:strVal val="visible"/>
+                                      </p:to>
+                                    </p:set>
+                                    <p:animEffect transition="in" filter="fade">
+                                      <p:cBhvr>
+                                        <p:cTn id="7" dur="500"/>
+                                        <p:tgtEl>
+                                          <p:spTgt spid="3">
+                                            <p:txEl>
+                                              <p:pRg st="0" end="0"/>
+                                            </p:txEl>
+                                          </p:spTgt>
+                                        </p:tgtEl>
+                                      </p:cBhvr>
+                                    </p:animEffect>
+                                  </p:childTnLst>
+                                </p:cTn>
+                              </p:par>
+                            </p:childTnLst>
+                          </p:cTn>
+                        </p:par>
+                      </p:childTnLst>
+                    </p:cTn>
+                  </p:par>
+                  <p:par>
+                    <p:cTn id="8" fill="hold">
+                      <p:stCondLst>
+                        <p:cond delay="indefinite"/>
+                      </p:stCondLst>
+                      <p:childTnLst>
+                        <p:par>
+                          <p:cTn id="9" fill="hold">
+                            <p:stCondLst>
+                              <p:cond delay="0"/>
+                            </p:stCondLst>
+                            <p:childTnLst>
+                              <p:par>
+                                <p:cTn id="10" presetID="10" presetClass="entr" presetSubtype="0" fill="hold" grpId="0" nodeType="clickEffect">
+                                  <p:stCondLst>
+                                    <p:cond delay="0"/>
+                                  </p:stCondLst>
+                                  <p:childTnLst>
+                                    <p:set>
+                                      <p:cBhvr>
+                                        <p:cTn id="11" dur="1" fill="hold">
+                                          <p:stCondLst>
+                                            <p:cond delay="0"/>
+                                          </p:stCondLst>
+                                        </p:cTn>
+                                        <p:tgtEl>
+                                          <p:spTgt spid="3">
+                                            <p:txEl>
+                                              <p:pRg st="1" end="1"/>
+                                            </p:txEl>
+                                          </p:spTgt>
+                                        </p:tgtEl>
+                                        <p:attrNameLst>
+                                          <p:attrName>style.visibility</p:attrName>
+                                        </p:attrNameLst>
+                                      </p:cBhvr>
+                                      <p:to>
+                                        <p:strVal val="visible"/>
+                                      </p:to>
+                                    </p:set>
+                                    <p:animEffect transition="in" filter="fade">
+                                      <p:cBhvr>
+                                        <p:cTn id="12" dur="500"/>
+                                        <p:tgtEl>
+                                          <p:spTgt spid="3">
+                                            <p:txEl>
+                                              <p:pRg st="1" end="1"/>
+                                            </p:txEl>
+                                          </p:spTgt>
+                                        </p:tgtEl>
+                                      </p:cBhvr>
+                                    </p:animEffect>
+                                  </p:childTnLst>
+                                </p:cTn>
+                              </p:par>
+                            </p:childTnLst>
+                          </p:cTn>
+                        </p:par>
+                      </p:childTnLst>
+                    </p:cTn>
+                  </p:par>
+                  <p:par>
+                    <p:cTn id="13" fill="hold">
+                      <p:stCondLst>
+                        <p:cond delay="indefinite"/>
+                      </p:stCondLst>
+                      <p:childTnLst>
+                        <p:par>
+                          <p:cTn id="14" fill="hold">
+                            <p:stCondLst>
+                              <p:cond delay="0"/>
+                            </p:stCondLst>
+                            <p:childTnLst>
+                              <p:par>
+                                <p:cTn id="15" presetID="10" presetClass="entr" presetSubtype="0" fill="hold" grpId="0" nodeType="clickEffect">
+                                  <p:stCondLst>
+                                    <p:cond delay="0"/>
+                                  </p:stCondLst>
+                                  <p:childTnLst>
+                                    <p:set>
+                                      <p:cBhvr>
+                                        <p:cTn id="16" dur="1" fill="hold">
+                                          <p:stCondLst>
+                                            <p:cond delay="0"/>
+                                          </p:stCondLst>
+                                        </p:cTn>
+                                        <p:tgtEl>
+                                          <p:spTgt spid="3">
+                                            <p:txEl>
+                                              <p:pRg st="2" end="2"/>
+                                            </p:txEl>
+                                          </p:spTgt>
+                                        </p:tgtEl>
+                                        <p:attrNameLst>
+                                          <p:attrName>style.visibility</p:attrName>
+                                        </p:attrNameLst>
+                                      </p:cBhvr>
+                                      <p:to>
+                                        <p:strVal val="visible"/>
+                                      </p:to>
+                                    </p:set>
+                                    <p:animEffect transition="in" filter="fade">
+                                      <p:cBhvr>
+                                        <p:cTn id="17" dur="500"/>
+                                        <p:tgtEl>
+                                          <p:spTgt spid="3">
+                                            <p:txEl>
+                                              <p:pRg st="2" end="2"/>
+                                            </p:txEl>
+                                          </p:spTgt>
+                                        </p:tgtEl>
+                                      </p:cBhvr>
+                                    </p:animEffect>
+                                  </p:childTnLst>
+                                </p:cTn>
+                              </p:par>
+                            </p:childTnLst>
+                          </p:cTn>
+                        </p:par>
+                      </p:childTnLst>
+                    </p:cTn>
+                  </p:par>
+                  <p:par>
+                    <p:cTn id="18" fill="hold">
+                      <p:stCondLst>
+                        <p:cond delay="indefinite"/>
+                      </p:stCondLst>
+                      <p:childTnLst>
+                        <p:par>
+                          <p:cTn id="19" fill="hold">
+                            <p:stCondLst>
+                              <p:cond delay="0"/>
+                            </p:stCondLst>
+                            <p:childTnLst>
+                              <p:par>
+                                <p:cTn id="20" presetID="10" presetClass="entr" presetSubtype="0" fill="hold" grpId="0" nodeType="clickEffect">
+                                  <p:stCondLst>
+                                    <p:cond delay="0"/>
+                                  </p:stCondLst>
+                                  <p:childTnLst>
+                                    <p:set>
+                                      <p:cBhvr>
+                                        <p:cTn id="21" dur="1" fill="hold">
+                                          <p:stCondLst>
+                                            <p:cond delay="0"/>
+                                          </p:stCondLst>
+                                        </p:cTn>
+                                        <p:tgtEl>
+                                          <p:spTgt spid="3">
+                                            <p:txEl>
+                                              <p:pRg st="3" end="3"/>
+                                            </p:txEl>
+                                          </p:spTgt>
+                                        </p:tgtEl>
+                                        <p:attrNameLst>
+                                          <p:attrName>style.visibility</p:attrName>
+                                        </p:attrNameLst>
+                                      </p:cBhvr>
+                                      <p:to>
+                                        <p:strVal val="visible"/>
+                                      </p:to>
+                                    </p:set>
+                                    <p:animEffect transition="in" filter="fade">
+                                      <p:cBhvr>
+                                        <p:cTn id="22" dur="500"/>
+                                        <p:tgtEl>
+                                          <p:spTgt spid="3">
+                                            <p:txEl>
+                                              <p:pRg st="3" end="3"/>
+                                            </p:txEl>
+                                          </p:spTgt>
+                                        </p:tgtEl>
+                                      </p:cBhvr>
+                                    </p:animEffect>
+                                  </p:childTnLst>
+                                </p:cTn>
+                              </p:par>
+                            </p:childTnLst>
+                          </p:cTn>
+                        </p:par>
+                      </p:childTnLst>
+                    </p:cTn>
+                  </p:par>
+                </p:childTnLst>
+              </p:cTn>
+              <p:prevCondLst>
+                <p:cond evt="onPrev" delay="0">
+                  <p:tgtEl>
+                    <p:sldTgt/>
+                  </p:tgtEl>
+                </p:cond>
+              </p:prevCondLst>
+              <p:nextCondLst>
+                <p:cond evt="onNext" delay="0">
+                  <p:tgtEl>
+                    <p:sldTgt/>
+                  </p:tgtEl>
+                </p:cond>
+              </p:nextCondLst>
+            </p:seq>
+          </p:childTnLst>
+        </p:cTn>
+      </p:par>
+    </p:tnLst>
+    <p:bldLst>
+      <p:bldP spid="3" grpId="0" uiExpand="1" build="p"/>
+    </p:bldLst>
+  </p:timing>
 </p:sld>
 </file>
 
@@ -13560,41 +14608,6 @@
           </a:p>
         </p:txBody>
       </p:sp>
-      <p:sp>
-        <p:nvSpPr>
-          <p:cNvPr id="3" name="Content Placeholder 2">
-            <a:extLst>
-              <a:ext uri="{FF2B5EF4-FFF2-40B4-BE49-F238E27FC236}">
-                <a16:creationId xmlns:a16="http://schemas.microsoft.com/office/drawing/2014/main" id="{BABC2CE0-8806-4B2A-A10A-32984D317434}"/>
-              </a:ext>
-            </a:extLst>
-          </p:cNvPr>
-          <p:cNvSpPr>
-            <a:spLocks noGrp="1"/>
-          </p:cNvSpPr>
-          <p:nvPr>
-            <p:ph type="subTitle" idx="1"/>
-          </p:nvPr>
-        </p:nvSpPr>
-        <p:spPr>
-          <a:xfrm>
-            <a:off x="1167493" y="3602038"/>
-            <a:ext cx="6220277" cy="2247219"/>
-          </a:xfrm>
-        </p:spPr>
-        <p:txBody>
-          <a:bodyPr>
-            <a:normAutofit/>
-          </a:bodyPr>
-          <a:lstStyle/>
-          <a:p>
-            <a:r>
-              <a:rPr lang="en-US" dirty="0"/>
-              <a:t>Yousif Al-Baghdadi</a:t>
-            </a:r>
-          </a:p>
-        </p:txBody>
-      </p:sp>
     </p:spTree>
     <p:extLst>
       <p:ext uri="{BB962C8B-B14F-4D97-AF65-F5344CB8AC3E}">
@@ -13605,6 +14618,18 @@
   <p:clrMapOvr>
     <a:masterClrMapping/>
   </p:clrMapOvr>
+  <mc:AlternateContent xmlns:mc="http://schemas.openxmlformats.org/markup-compatibility/2006">
+    <mc:Choice xmlns:p14="http://schemas.microsoft.com/office/powerpoint/2010/main" Requires="p14">
+      <p:transition spd="med" p14:dur="700">
+        <p:fade/>
+      </p:transition>
+    </mc:Choice>
+    <mc:Fallback>
+      <p:transition spd="med">
+        <p:fade/>
+      </p:transition>
+    </mc:Fallback>
+  </mc:AlternateContent>
 </p:sld>
 </file>
 
@@ -14114,14 +15139,6 @@
 </file>
 
 <file path=customXml/item2.xml><?xml version="1.0" encoding="utf-8"?>
-<p:properties xmlns:p="http://schemas.microsoft.com/office/2006/metadata/properties" xmlns:xsi="http://www.w3.org/2001/XMLSchema-instance" xmlns:pc="http://schemas.microsoft.com/office/infopath/2007/PartnerControls">
-  <documentManagement>
-    <_activity xmlns="77266e25-e620-4f11-809d-8c8a3b0e8595" xsi:nil="true"/>
-  </documentManagement>
-</p:properties>
-</file>
-
-<file path=customXml/item3.xml><?xml version="1.0" encoding="utf-8"?>
 <ct:contentTypeSchema xmlns:ct="http://schemas.microsoft.com/office/2006/metadata/contentType" xmlns:ma="http://schemas.microsoft.com/office/2006/metadata/properties/metaAttributes" ct:_="" ma:_="" ma:contentTypeName="Asiakirja" ma:contentTypeID="0x010100647A569050849847911D2F7B5F240F1E" ma:contentTypeVersion="7" ma:contentTypeDescription="Luo uusi asiakirja." ma:contentTypeScope="" ma:versionID="51dcf1b3758c5b399d31dbe994f2fa88">
   <xsd:schema xmlns:xsd="http://www.w3.org/2001/XMLSchema" xmlns:xs="http://www.w3.org/2001/XMLSchema" xmlns:p="http://schemas.microsoft.com/office/2006/metadata/properties" xmlns:ns3="77266e25-e620-4f11-809d-8c8a3b0e8595" xmlns:ns4="d3f72fb7-4b2f-4bec-ae0d-d549eb6d1306" targetNamespace="http://schemas.microsoft.com/office/2006/metadata/properties" ma:root="true" ma:fieldsID="955d88411a941fde7385e7666bb22a49" ns3:_="" ns4:_="">
     <xsd:import namespace="77266e25-e620-4f11-809d-8c8a3b0e8595"/>
@@ -14304,6 +15321,14 @@
 </ct:contentTypeSchema>
 </file>
 
+<file path=customXml/item3.xml><?xml version="1.0" encoding="utf-8"?>
+<p:properties xmlns:p="http://schemas.microsoft.com/office/2006/metadata/properties" xmlns:xsi="http://www.w3.org/2001/XMLSchema-instance" xmlns:pc="http://schemas.microsoft.com/office/infopath/2007/PartnerControls">
+  <documentManagement>
+    <_activity xmlns="77266e25-e620-4f11-809d-8c8a3b0e8595" xsi:nil="true"/>
+  </documentManagement>
+</p:properties>
+</file>
+
 <file path=customXml/itemProps1.xml><?xml version="1.0" encoding="utf-8"?>
 <ds:datastoreItem xmlns:ds="http://schemas.openxmlformats.org/officeDocument/2006/customXml" ds:itemID="{42076B5C-85B0-4D30-852D-5E5312EEA93B}">
   <ds:schemaRefs>
@@ -14313,23 +15338,6 @@
 </file>
 
 <file path=customXml/itemProps2.xml><?xml version="1.0" encoding="utf-8"?>
-<ds:datastoreItem xmlns:ds="http://schemas.openxmlformats.org/officeDocument/2006/customXml" ds:itemID="{1342FAFE-88B4-49B4-9588-86CB0E564E50}">
-  <ds:schemaRefs>
-    <ds:schemaRef ds:uri="d3f72fb7-4b2f-4bec-ae0d-d549eb6d1306"/>
-    <ds:schemaRef ds:uri="http://schemas.microsoft.com/office/2006/documentManagement/types"/>
-    <ds:schemaRef ds:uri="http://purl.org/dc/elements/1.1/"/>
-    <ds:schemaRef ds:uri="http://schemas.openxmlformats.org/package/2006/metadata/core-properties"/>
-    <ds:schemaRef ds:uri="http://schemas.microsoft.com/office/2006/metadata/properties"/>
-    <ds:schemaRef ds:uri="http://www.w3.org/XML/1998/namespace"/>
-    <ds:schemaRef ds:uri="77266e25-e620-4f11-809d-8c8a3b0e8595"/>
-    <ds:schemaRef ds:uri="http://purl.org/dc/terms/"/>
-    <ds:schemaRef ds:uri="http://schemas.microsoft.com/office/infopath/2007/PartnerControls"/>
-    <ds:schemaRef ds:uri="http://purl.org/dc/dcmitype/"/>
-  </ds:schemaRefs>
-</ds:datastoreItem>
-</file>
-
-<file path=customXml/itemProps3.xml><?xml version="1.0" encoding="utf-8"?>
 <ds:datastoreItem xmlns:ds="http://schemas.openxmlformats.org/officeDocument/2006/customXml" ds:itemID="{DD423233-37AF-4277-A007-B48BB5FE75FF}">
   <ds:schemaRefs>
     <ds:schemaRef ds:uri="http://schemas.microsoft.com/office/2006/metadata/contentType"/>
@@ -14348,6 +15356,23 @@
 </ds:datastoreItem>
 </file>
 
+<file path=customXml/itemProps3.xml><?xml version="1.0" encoding="utf-8"?>
+<ds:datastoreItem xmlns:ds="http://schemas.openxmlformats.org/officeDocument/2006/customXml" ds:itemID="{1342FAFE-88B4-49B4-9588-86CB0E564E50}">
+  <ds:schemaRefs>
+    <ds:schemaRef ds:uri="http://purl.org/dc/dcmitype/"/>
+    <ds:schemaRef ds:uri="77266e25-e620-4f11-809d-8c8a3b0e8595"/>
+    <ds:schemaRef ds:uri="http://schemas.microsoft.com/office/2006/metadata/properties"/>
+    <ds:schemaRef ds:uri="http://www.w3.org/XML/1998/namespace"/>
+    <ds:schemaRef ds:uri="http://purl.org/dc/terms/"/>
+    <ds:schemaRef ds:uri="http://schemas.microsoft.com/office/2006/documentManagement/types"/>
+    <ds:schemaRef ds:uri="http://purl.org/dc/elements/1.1/"/>
+    <ds:schemaRef ds:uri="http://schemas.microsoft.com/office/infopath/2007/PartnerControls"/>
+    <ds:schemaRef ds:uri="d3f72fb7-4b2f-4bec-ae0d-d549eb6d1306"/>
+    <ds:schemaRef ds:uri="http://schemas.openxmlformats.org/package/2006/metadata/core-properties"/>
+  </ds:schemaRefs>
+</ds:datastoreItem>
+</file>
+
 <file path=docMetadata/LabelInfo.xml><?xml version="1.0" encoding="utf-8"?>
 <clbl:labelList xmlns:clbl="http://schemas.microsoft.com/office/2020/mipLabelMetadata"/>
 </file>